--- a/Crossword Capstone.pptx
+++ b/Crossword Capstone.pptx
@@ -2845,7 +2845,7 @@
           <a:p>
             <a:fld id="{360C5FC5-89BA-5644-8AE2-1BF64C3DEB54}" type="datetimeFigureOut">
               <a:rPr lang="en-US" smtClean="0"/>
-              <a:t>4/10/20</a:t>
+              <a:t>4/15/20</a:t>
             </a:fld>
             <a:endParaRPr lang="en-US"/>
           </a:p>
@@ -3777,77 +3777,7 @@
           <a:bodyPr/>
           <a:lstStyle/>
           <a:p>
-            <a:r>
-              <a:rPr lang="en-US" sz="1200" b="0" i="0" kern="1200" dirty="0">
-                <a:solidFill>
-                  <a:schemeClr val="tx1"/>
-                </a:solidFill>
-                <a:effectLst/>
-                <a:latin typeface="+mn-lt"/>
-                <a:ea typeface="+mn-ea"/>
-                <a:cs typeface="+mn-cs"/>
-              </a:rPr>
-              <a:t>Clues that end in question marks indicate a play on words in the clue or answer.</a:t>
-            </a:r>
-          </a:p>
-          <a:p>
-            <a:r>
-              <a:rPr lang="en-US" sz="1200" b="0" i="0" kern="1200" dirty="0">
-                <a:solidFill>
-                  <a:schemeClr val="tx1"/>
-                </a:solidFill>
-                <a:effectLst/>
-                <a:latin typeface="+mn-lt"/>
-                <a:ea typeface="+mn-ea"/>
-                <a:cs typeface="+mn-cs"/>
-              </a:rPr>
-              <a:t>Thursday vs Fridays – I think probably because Thursdays are themed and Fridays are </a:t>
-            </a:r>
-            <a:r>
-              <a:rPr lang="en-US" sz="1200" b="0" i="0" kern="1200" dirty="0" err="1">
-                <a:solidFill>
-                  <a:schemeClr val="tx1"/>
-                </a:solidFill>
-                <a:effectLst/>
-                <a:latin typeface="+mn-lt"/>
-                <a:ea typeface="+mn-ea"/>
-                <a:cs typeface="+mn-cs"/>
-              </a:rPr>
-              <a:t>themeless</a:t>
-            </a:r>
-            <a:r>
-              <a:rPr lang="en-US" sz="1200" b="0" i="0" kern="1200" dirty="0">
-                <a:solidFill>
-                  <a:schemeClr val="tx1"/>
-                </a:solidFill>
-                <a:effectLst/>
-                <a:latin typeface="+mn-lt"/>
-                <a:ea typeface="+mn-ea"/>
-                <a:cs typeface="+mn-cs"/>
-              </a:rPr>
-              <a:t>. </a:t>
-            </a:r>
-          </a:p>
-          <a:p>
-            <a:r>
-              <a:rPr lang="en-US" sz="1200" b="0" i="0" kern="1200" dirty="0">
-                <a:solidFill>
-                  <a:schemeClr val="tx1"/>
-                </a:solidFill>
-                <a:effectLst/>
-                <a:latin typeface="+mn-lt"/>
-                <a:ea typeface="+mn-ea"/>
-                <a:cs typeface="+mn-cs"/>
-              </a:rPr>
-              <a:t>Share my scraper code so other nerds can geek out like me. </a:t>
-            </a:r>
             <a:endParaRPr lang="en-US" dirty="0"/>
-          </a:p>
-          <a:p>
-            <a:r>
-              <a:rPr lang="en-US" dirty="0"/>
-              <a:t>Additionally – look at rebus puzzles, common crossword-ese like baseball and Yiddish,  paired constructor puzzles, puzzles published under pseudonyms, looking more into inconsistencies in hit for the cycle plots. </a:t>
-            </a:r>
           </a:p>
         </p:txBody>
       </p:sp>
@@ -4018,7 +3948,7 @@
           <a:p>
             <a:fld id="{846CE7D5-CF57-46EF-B807-FDD0502418D4}" type="datetimeFigureOut">
               <a:rPr lang="en-US" smtClean="0"/>
-              <a:t>4/10/20</a:t>
+              <a:t>4/15/20</a:t>
             </a:fld>
             <a:endParaRPr lang="en-US"/>
           </a:p>
@@ -4188,7 +4118,7 @@
           <a:p>
             <a:fld id="{846CE7D5-CF57-46EF-B807-FDD0502418D4}" type="datetimeFigureOut">
               <a:rPr lang="en-US" smtClean="0"/>
-              <a:t>4/10/20</a:t>
+              <a:t>4/15/20</a:t>
             </a:fld>
             <a:endParaRPr lang="en-US"/>
           </a:p>
@@ -4368,7 +4298,7 @@
           <a:p>
             <a:fld id="{846CE7D5-CF57-46EF-B807-FDD0502418D4}" type="datetimeFigureOut">
               <a:rPr lang="en-US" smtClean="0"/>
-              <a:t>4/10/20</a:t>
+              <a:t>4/15/20</a:t>
             </a:fld>
             <a:endParaRPr lang="en-US"/>
           </a:p>
@@ -4538,7 +4468,7 @@
           <a:p>
             <a:fld id="{846CE7D5-CF57-46EF-B807-FDD0502418D4}" type="datetimeFigureOut">
               <a:rPr lang="en-US" smtClean="0"/>
-              <a:t>4/10/20</a:t>
+              <a:t>4/15/20</a:t>
             </a:fld>
             <a:endParaRPr lang="en-US"/>
           </a:p>
@@ -4784,7 +4714,7 @@
           <a:p>
             <a:fld id="{846CE7D5-CF57-46EF-B807-FDD0502418D4}" type="datetimeFigureOut">
               <a:rPr lang="en-US" smtClean="0"/>
-              <a:t>4/10/20</a:t>
+              <a:t>4/15/20</a:t>
             </a:fld>
             <a:endParaRPr lang="en-US"/>
           </a:p>
@@ -5016,7 +4946,7 @@
           <a:p>
             <a:fld id="{846CE7D5-CF57-46EF-B807-FDD0502418D4}" type="datetimeFigureOut">
               <a:rPr lang="en-US" smtClean="0"/>
-              <a:t>4/10/20</a:t>
+              <a:t>4/15/20</a:t>
             </a:fld>
             <a:endParaRPr lang="en-US"/>
           </a:p>
@@ -5383,7 +5313,7 @@
           <a:p>
             <a:fld id="{846CE7D5-CF57-46EF-B807-FDD0502418D4}" type="datetimeFigureOut">
               <a:rPr lang="en-US" smtClean="0"/>
-              <a:t>4/10/20</a:t>
+              <a:t>4/15/20</a:t>
             </a:fld>
             <a:endParaRPr lang="en-US"/>
           </a:p>
@@ -5501,7 +5431,7 @@
           <a:p>
             <a:fld id="{846CE7D5-CF57-46EF-B807-FDD0502418D4}" type="datetimeFigureOut">
               <a:rPr lang="en-US" smtClean="0"/>
-              <a:t>4/10/20</a:t>
+              <a:t>4/15/20</a:t>
             </a:fld>
             <a:endParaRPr lang="en-US"/>
           </a:p>
@@ -5596,7 +5526,7 @@
           <a:p>
             <a:fld id="{846CE7D5-CF57-46EF-B807-FDD0502418D4}" type="datetimeFigureOut">
               <a:rPr lang="en-US" smtClean="0"/>
-              <a:t>4/10/20</a:t>
+              <a:t>4/15/20</a:t>
             </a:fld>
             <a:endParaRPr lang="en-US"/>
           </a:p>
@@ -5873,7 +5803,7 @@
           <a:p>
             <a:fld id="{846CE7D5-CF57-46EF-B807-FDD0502418D4}" type="datetimeFigureOut">
               <a:rPr lang="en-US" smtClean="0"/>
-              <a:t>4/10/20</a:t>
+              <a:t>4/15/20</a:t>
             </a:fld>
             <a:endParaRPr lang="en-US"/>
           </a:p>
@@ -6130,7 +6060,7 @@
           <a:p>
             <a:fld id="{846CE7D5-CF57-46EF-B807-FDD0502418D4}" type="datetimeFigureOut">
               <a:rPr lang="en-US" smtClean="0"/>
-              <a:t>4/10/20</a:t>
+              <a:t>4/15/20</a:t>
             </a:fld>
             <a:endParaRPr lang="en-US"/>
           </a:p>
@@ -6343,7 +6273,7 @@
           <a:p>
             <a:fld id="{846CE7D5-CF57-46EF-B807-FDD0502418D4}" type="datetimeFigureOut">
               <a:rPr lang="en-US" smtClean="0"/>
-              <a:t>4/10/20</a:t>
+              <a:t>4/15/20</a:t>
             </a:fld>
             <a:endParaRPr lang="en-US"/>
           </a:p>
